--- a/tools/Poster Exporter.pptx
+++ b/tools/Poster Exporter.pptx
@@ -243,7 +243,7 @@
           <a:p>
             <a:fld id="{3C68A058-3B63-3A44-8170-7963C5C6EEDE}" type="datetimeFigureOut">
               <a:rPr lang="en-GB" smtClean="0"/>
-              <a:t>24/11/2020</a:t>
+              <a:t>04/04/2023</a:t>
             </a:fld>
             <a:endParaRPr lang="en-GB"/>
           </a:p>
@@ -413,7 +413,7 @@
           <a:p>
             <a:fld id="{3C68A058-3B63-3A44-8170-7963C5C6EEDE}" type="datetimeFigureOut">
               <a:rPr lang="en-GB" smtClean="0"/>
-              <a:t>24/11/2020</a:t>
+              <a:t>04/04/2023</a:t>
             </a:fld>
             <a:endParaRPr lang="en-GB"/>
           </a:p>
@@ -593,7 +593,7 @@
           <a:p>
             <a:fld id="{3C68A058-3B63-3A44-8170-7963C5C6EEDE}" type="datetimeFigureOut">
               <a:rPr lang="en-GB" smtClean="0"/>
-              <a:t>24/11/2020</a:t>
+              <a:t>04/04/2023</a:t>
             </a:fld>
             <a:endParaRPr lang="en-GB"/>
           </a:p>
@@ -763,7 +763,7 @@
           <a:p>
             <a:fld id="{3C68A058-3B63-3A44-8170-7963C5C6EEDE}" type="datetimeFigureOut">
               <a:rPr lang="en-GB" smtClean="0"/>
-              <a:t>24/11/2020</a:t>
+              <a:t>04/04/2023</a:t>
             </a:fld>
             <a:endParaRPr lang="en-GB"/>
           </a:p>
@@ -1007,7 +1007,7 @@
           <a:p>
             <a:fld id="{3C68A058-3B63-3A44-8170-7963C5C6EEDE}" type="datetimeFigureOut">
               <a:rPr lang="en-GB" smtClean="0"/>
-              <a:t>24/11/2020</a:t>
+              <a:t>04/04/2023</a:t>
             </a:fld>
             <a:endParaRPr lang="en-GB"/>
           </a:p>
@@ -1239,7 +1239,7 @@
           <a:p>
             <a:fld id="{3C68A058-3B63-3A44-8170-7963C5C6EEDE}" type="datetimeFigureOut">
               <a:rPr lang="en-GB" smtClean="0"/>
-              <a:t>24/11/2020</a:t>
+              <a:t>04/04/2023</a:t>
             </a:fld>
             <a:endParaRPr lang="en-GB"/>
           </a:p>
@@ -1606,7 +1606,7 @@
           <a:p>
             <a:fld id="{3C68A058-3B63-3A44-8170-7963C5C6EEDE}" type="datetimeFigureOut">
               <a:rPr lang="en-GB" smtClean="0"/>
-              <a:t>24/11/2020</a:t>
+              <a:t>04/04/2023</a:t>
             </a:fld>
             <a:endParaRPr lang="en-GB"/>
           </a:p>
@@ -1724,7 +1724,7 @@
           <a:p>
             <a:fld id="{3C68A058-3B63-3A44-8170-7963C5C6EEDE}" type="datetimeFigureOut">
               <a:rPr lang="en-GB" smtClean="0"/>
-              <a:t>24/11/2020</a:t>
+              <a:t>04/04/2023</a:t>
             </a:fld>
             <a:endParaRPr lang="en-GB"/>
           </a:p>
@@ -1819,7 +1819,7 @@
           <a:p>
             <a:fld id="{3C68A058-3B63-3A44-8170-7963C5C6EEDE}" type="datetimeFigureOut">
               <a:rPr lang="en-GB" smtClean="0"/>
-              <a:t>24/11/2020</a:t>
+              <a:t>04/04/2023</a:t>
             </a:fld>
             <a:endParaRPr lang="en-GB"/>
           </a:p>
@@ -2096,7 +2096,7 @@
           <a:p>
             <a:fld id="{3C68A058-3B63-3A44-8170-7963C5C6EEDE}" type="datetimeFigureOut">
               <a:rPr lang="en-GB" smtClean="0"/>
-              <a:t>24/11/2020</a:t>
+              <a:t>04/04/2023</a:t>
             </a:fld>
             <a:endParaRPr lang="en-GB"/>
           </a:p>
@@ -2353,7 +2353,7 @@
           <a:p>
             <a:fld id="{3C68A058-3B63-3A44-8170-7963C5C6EEDE}" type="datetimeFigureOut">
               <a:rPr lang="en-GB" smtClean="0"/>
-              <a:t>24/11/2020</a:t>
+              <a:t>04/04/2023</a:t>
             </a:fld>
             <a:endParaRPr lang="en-GB"/>
           </a:p>
@@ -2566,7 +2566,7 @@
           <a:p>
             <a:fld id="{3C68A058-3B63-3A44-8170-7963C5C6EEDE}" type="datetimeFigureOut">
               <a:rPr lang="en-GB" smtClean="0"/>
-              <a:t>24/11/2020</a:t>
+              <a:t>04/04/2023</a:t>
             </a:fld>
             <a:endParaRPr lang="en-GB"/>
           </a:p>
@@ -2973,10 +2973,10 @@
       </p:grpSpPr>
       <p:pic>
         <p:nvPicPr>
-          <p:cNvPr id="1026" name="Picture 2">
+          <p:cNvPr id="1038" name="Picture 14" descr="Lost In Translation - The Script Lab">
             <a:extLst>
               <a:ext uri="{FF2B5EF4-FFF2-40B4-BE49-F238E27FC236}">
-                <a16:creationId xmlns:a16="http://schemas.microsoft.com/office/drawing/2014/main" id="{85FE7484-BBA0-5E45-A58D-38DA322AB7AD}"/>
+                <a16:creationId xmlns:a16="http://schemas.microsoft.com/office/drawing/2014/main" id="{2E4E9F6D-AAD2-9E2E-2FF5-53BF18C36EAC}"/>
               </a:ext>
             </a:extLst>
           </p:cNvPr>
@@ -2985,7 +2985,7 @@
           </p:cNvPicPr>
           <p:nvPr/>
         </p:nvPicPr>
-        <p:blipFill rotWithShape="1">
+        <p:blipFill>
           <a:blip r:embed="rId2">
             <a:extLst>
               <a:ext uri="{28A0092B-C50C-407E-A947-70E740481C1C}">
@@ -2993,13 +2993,15 @@
               </a:ext>
             </a:extLst>
           </a:blip>
-          <a:srcRect l="614" r="614"/>
-          <a:stretch/>
+          <a:srcRect/>
+          <a:stretch>
+            <a:fillRect/>
+          </a:stretch>
         </p:blipFill>
         <p:spPr bwMode="auto">
           <a:xfrm>
-            <a:off x="-1" y="0"/>
-            <a:ext cx="17780001" cy="26668413"/>
+            <a:off x="0" y="-1"/>
+            <a:ext cx="17778942" cy="26668413"/>
           </a:xfrm>
           <a:prstGeom prst="rect">
             <a:avLst/>
